--- a/Eksplorasi Properti Statistik dan Analisis Berdasarkan Himpunan Data dari Game Uma Musume Pretty Derby.pptx
+++ b/Eksplorasi Properti Statistik dan Analisis Berdasarkan Himpunan Data dari Game Uma Musume Pretty Derby.pptx
@@ -390,7 +390,7 @@
         <p:txBody>
           <a:bodyPr/>
           <a:p>
-            <a:fld id="{C6350AED-F308-46FC-AB45-C6BD0287BFF5}" type="slidenum">
+            <a:fld id="{AAF79134-13A4-44B4-AD4B-96975C2F63D7}" type="slidenum">
               <a:t>&lt;#&gt;</a:t>
             </a:fld>
           </a:p>
@@ -513,7 +513,7 @@
         <p:txBody>
           <a:bodyPr/>
           <a:p>
-            <a:fld id="{4206CA0B-B45E-497F-964A-B1AD26E6C668}" type="slidenum">
+            <a:fld id="{CA29F7FF-3C9C-4EB9-9861-DC47430BF0BF}" type="slidenum">
               <a:t>&lt;#&gt;</a:t>
             </a:fld>
           </a:p>
@@ -634,7 +634,7 @@
         <p:txBody>
           <a:bodyPr/>
           <a:p>
-            <a:fld id="{16765604-DD47-4C3F-BD8E-A8ED9803B614}" type="slidenum">
+            <a:fld id="{5967F024-95DD-42EB-8F2E-7541C743443C}" type="slidenum">
               <a:t>&lt;#&gt;</a:t>
             </a:fld>
           </a:p>
@@ -886,7 +886,7 @@
         <p:txBody>
           <a:bodyPr/>
           <a:p>
-            <a:fld id="{DA3BCDAB-B147-4A59-9D46-88CE94736AC7}" type="slidenum">
+            <a:fld id="{F7CA2E16-B6A9-4FA8-B3CC-2CAABEF87D80}" type="slidenum">
               <a:t>&lt;#&gt;</a:t>
             </a:fld>
           </a:p>
@@ -1138,7 +1138,7 @@
         <p:txBody>
           <a:bodyPr/>
           <a:p>
-            <a:fld id="{099ECC4A-7E7B-481E-B8A4-1B2AF211B377}" type="slidenum">
+            <a:fld id="{6E1BD872-42E6-4778-B9B9-6C3BEC95DF56}" type="slidenum">
               <a:t>&lt;#&gt;</a:t>
             </a:fld>
           </a:p>
@@ -1390,7 +1390,7 @@
         <p:txBody>
           <a:bodyPr/>
           <a:p>
-            <a:fld id="{99C28426-034D-4E04-B3AA-4A1C851C7AEA}" type="slidenum">
+            <a:fld id="{A70F48C3-7C62-4DB8-A4D1-46E3B870F225}" type="slidenum">
               <a:t>&lt;#&gt;</a:t>
             </a:fld>
           </a:p>
@@ -1599,7 +1599,7 @@
         <p:txBody>
           <a:bodyPr/>
           <a:p>
-            <a:fld id="{BDFB4A83-6394-4049-80C7-64A8EE854A8C}" type="slidenum">
+            <a:fld id="{B64C207D-6F42-4EFE-BA0B-9E22624FDB96}" type="slidenum">
               <a:t>&lt;#&gt;</a:t>
             </a:fld>
           </a:p>
@@ -1894,7 +1894,7 @@
         <p:txBody>
           <a:bodyPr/>
           <a:p>
-            <a:fld id="{901D47B4-CA9F-4B03-9AE9-6A1FBD10C68D}" type="slidenum">
+            <a:fld id="{BEC0D509-D8CD-4C9A-976E-DBD476B73E07}" type="slidenum">
               <a:t>&lt;#&gt;</a:t>
             </a:fld>
           </a:p>
@@ -2275,7 +2275,7 @@
         <p:txBody>
           <a:bodyPr/>
           <a:p>
-            <a:fld id="{A0042E84-7B0F-4B49-A3DE-FB948C246F27}" type="slidenum">
+            <a:fld id="{C06E7E4E-5029-42F9-8382-3F0E98A368C6}" type="slidenum">
               <a:t>&lt;#&gt;</a:t>
             </a:fld>
           </a:p>
@@ -4686,7 +4686,7 @@
         <p:txBody>
           <a:bodyPr/>
           <a:p>
-            <a:fld id="{E80A8657-A312-4848-9FE7-A066D7BD9866}" type="slidenum">
+            <a:fld id="{B92AA12E-C622-43A9-98D2-2D8EC4447AC6}" type="slidenum">
               <a:t>&lt;#&gt;</a:t>
             </a:fld>
           </a:p>
@@ -4849,7 +4849,7 @@
         <p:txBody>
           <a:bodyPr/>
           <a:p>
-            <a:fld id="{F52EC619-F969-45D0-9FE0-479F650C782E}" type="slidenum">
+            <a:fld id="{82813862-F10E-4BB7-ACF1-9E14407B9FCF}" type="slidenum">
               <a:t>&lt;#&gt;</a:t>
             </a:fld>
           </a:p>
@@ -5015,7 +5015,7 @@
         <p:txBody>
           <a:bodyPr/>
           <a:p>
-            <a:fld id="{329606A7-2D5F-453A-BADE-061C870FE96F}" type="slidenum">
+            <a:fld id="{64340D9A-B538-4CC6-8ABC-7DB5447F83B5}" type="slidenum">
               <a:t>&lt;#&gt;</a:t>
             </a:fld>
           </a:p>
@@ -5224,7 +5224,7 @@
         <p:txBody>
           <a:bodyPr/>
           <a:p>
-            <a:fld id="{1C1BB1AF-78C2-4D41-9783-250C30273D53}" type="slidenum">
+            <a:fld id="{092B3CDE-571B-421F-8E88-3501CE25F1D5}" type="slidenum">
               <a:t>&lt;#&gt;</a:t>
             </a:fld>
           </a:p>
@@ -5347,7 +5347,7 @@
         <p:txBody>
           <a:bodyPr/>
           <a:p>
-            <a:fld id="{E38030CD-51FA-43F0-9573-7B0546E03E27}" type="slidenum">
+            <a:fld id="{63348190-9D0E-4264-967D-D0F00E859F41}" type="slidenum">
               <a:t>&lt;#&gt;</a:t>
             </a:fld>
           </a:p>
@@ -5468,7 +5468,7 @@
         <p:txBody>
           <a:bodyPr/>
           <a:p>
-            <a:fld id="{29E7E3CB-9A8A-416C-AE04-4A58F9F90787}" type="slidenum">
+            <a:fld id="{5EF42BA9-73EC-4C3F-9748-6B116333A1C9}" type="slidenum">
               <a:t>&lt;#&gt;</a:t>
             </a:fld>
           </a:p>
@@ -5720,7 +5720,7 @@
         <p:txBody>
           <a:bodyPr/>
           <a:p>
-            <a:fld id="{C2A16297-ACFC-4150-B8E3-BC8A28E1F705}" type="slidenum">
+            <a:fld id="{D3455670-32A8-4108-B767-09C340B08276}" type="slidenum">
               <a:t>&lt;#&gt;</a:t>
             </a:fld>
           </a:p>
@@ -5972,7 +5972,7 @@
         <p:txBody>
           <a:bodyPr/>
           <a:p>
-            <a:fld id="{F9AEF658-A4E6-4424-B518-F29F5568EDB0}" type="slidenum">
+            <a:fld id="{A1C1BE1B-7A5B-4460-B84C-CB5755DC70DF}" type="slidenum">
               <a:t>&lt;#&gt;</a:t>
             </a:fld>
           </a:p>
@@ -6224,7 +6224,7 @@
         <p:txBody>
           <a:bodyPr/>
           <a:p>
-            <a:fld id="{E4068478-FF76-428C-9C23-EDAE24A05CBB}" type="slidenum">
+            <a:fld id="{6EC8264A-DAA0-443D-BA01-847F4722EEBF}" type="slidenum">
               <a:t>&lt;#&gt;</a:t>
             </a:fld>
           </a:p>
@@ -6455,7 +6455,7 @@
         <p:txBody>
           <a:bodyPr/>
           <a:p>
-            <a:fld id="{5DCDAE55-ED42-41AA-B317-08A17A2234FC}" type="slidenum">
+            <a:fld id="{EF8266DE-037D-4016-A05A-EA14C02C1B10}" type="slidenum">
               <a:t>&lt;#&gt;</a:t>
             </a:fld>
           </a:p>
@@ -6750,7 +6750,7 @@
         <p:txBody>
           <a:bodyPr/>
           <a:p>
-            <a:fld id="{ADD4B87D-61C3-4F54-AEA7-972B0EC26EA3}" type="slidenum">
+            <a:fld id="{7C0C848D-5EB7-4B2F-8E75-2132AC2A5A88}" type="slidenum">
               <a:t>&lt;#&gt;</a:t>
             </a:fld>
           </a:p>
@@ -7131,7 +7131,7 @@
         <p:txBody>
           <a:bodyPr/>
           <a:p>
-            <a:fld id="{59CE283F-6288-4192-8693-2B9D0C13EC7C}" type="slidenum">
+            <a:fld id="{82E51D50-159B-441A-A7E1-EDE57E243B97}" type="slidenum">
               <a:t>&lt;#&gt;</a:t>
             </a:fld>
           </a:p>
@@ -10947,7 +10947,7 @@
         <p:txBody>
           <a:bodyPr/>
           <a:p>
-            <a:fld id="{9C02B84A-2198-40C4-B022-9A46B91B9B5E}" type="slidenum">
+            <a:fld id="{F380275E-5D44-4429-A206-5E4D0F9A89B0}" type="slidenum">
               <a:t>&lt;#&gt;</a:t>
             </a:fld>
           </a:p>
@@ -11110,7 +11110,7 @@
         <p:txBody>
           <a:bodyPr/>
           <a:p>
-            <a:fld id="{1F0EFFBC-D220-419A-A574-7654B6E218BB}" type="slidenum">
+            <a:fld id="{E65F0B5D-0C94-45DC-AFF4-0782B5E5BD29}" type="slidenum">
               <a:t>&lt;#&gt;</a:t>
             </a:fld>
           </a:p>
@@ -11276,7 +11276,7 @@
         <p:txBody>
           <a:bodyPr/>
           <a:p>
-            <a:fld id="{4BCEBB6C-9EEC-4F94-807C-71D7CB9CADF5}" type="slidenum">
+            <a:fld id="{28CD7859-4CAE-4578-9DCC-287C9909EDA8}" type="slidenum">
               <a:t>&lt;#&gt;</a:t>
             </a:fld>
           </a:p>
@@ -11633,7 +11633,7 @@
         <p:txBody>
           <a:bodyPr/>
           <a:p>
-            <a:fld id="{1020DD0F-F18A-47C2-958F-9178B0292F40}" type="slidenum">
+            <a:fld id="{F8B78C94-B760-4128-8FDA-F1B38682F53E}" type="slidenum">
               <a:t>&lt;#&gt;</a:t>
             </a:fld>
           </a:p>
@@ -11756,7 +11756,7 @@
         <p:txBody>
           <a:bodyPr/>
           <a:p>
-            <a:fld id="{C1EAE700-9C25-4603-BCCA-F4B7FAB89020}" type="slidenum">
+            <a:fld id="{385A43CE-D097-459F-8082-44F99D4A11C1}" type="slidenum">
               <a:t>&lt;#&gt;</a:t>
             </a:fld>
           </a:p>
@@ -11877,7 +11877,7 @@
         <p:txBody>
           <a:bodyPr/>
           <a:p>
-            <a:fld id="{06734089-284A-43B1-915C-2296FC549BA5}" type="slidenum">
+            <a:fld id="{0E6B5B4E-CCFE-4F1A-87DE-160CDC552E71}" type="slidenum">
               <a:t>&lt;#&gt;</a:t>
             </a:fld>
           </a:p>
@@ -12129,7 +12129,7 @@
         <p:txBody>
           <a:bodyPr/>
           <a:p>
-            <a:fld id="{FAF7B787-69AE-41EC-B393-55FD96011B1E}" type="slidenum">
+            <a:fld id="{632FAF19-DADA-4596-8EA5-B9AE6696DE9A}" type="slidenum">
               <a:t>&lt;#&gt;</a:t>
             </a:fld>
           </a:p>
@@ -12381,7 +12381,7 @@
         <p:txBody>
           <a:bodyPr/>
           <a:p>
-            <a:fld id="{AECC1F82-CB37-4D52-AECF-81C65A5D3F4E}" type="slidenum">
+            <a:fld id="{96AC29B4-3EF2-44FB-A490-DA17892A6E5D}" type="slidenum">
               <a:t>&lt;#&gt;</a:t>
             </a:fld>
           </a:p>
@@ -12633,7 +12633,7 @@
         <p:txBody>
           <a:bodyPr/>
           <a:p>
-            <a:fld id="{438AF724-D25B-475A-8AE1-7971CBDB5BCC}" type="slidenum">
+            <a:fld id="{D8B5F93D-5360-49CB-841D-9479462D5D23}" type="slidenum">
               <a:t>&lt;#&gt;</a:t>
             </a:fld>
           </a:p>
@@ -12842,7 +12842,7 @@
         <p:txBody>
           <a:bodyPr/>
           <a:p>
-            <a:fld id="{8BFCB2A6-1468-42D7-AB39-35AB621F4998}" type="slidenum">
+            <a:fld id="{0030BE28-D5D2-43D8-9A15-1119546C659F}" type="slidenum">
               <a:t>&lt;#&gt;</a:t>
             </a:fld>
           </a:p>
@@ -13137,7 +13137,7 @@
         <p:txBody>
           <a:bodyPr/>
           <a:p>
-            <a:fld id="{FF56CBC8-2758-4A00-94E5-6CF80DDF24C3}" type="slidenum">
+            <a:fld id="{C8EA8D11-57C7-446A-834C-B3DF323029AF}" type="slidenum">
               <a:t>&lt;#&gt;</a:t>
             </a:fld>
           </a:p>
@@ -13518,7 +13518,7 @@
         <p:txBody>
           <a:bodyPr/>
           <a:p>
-            <a:fld id="{CBE2AE2C-E083-4B86-B186-BCF2C65D28D4}" type="slidenum">
+            <a:fld id="{AACE8946-DAF3-4F04-9A73-CBE0C0769037}" type="slidenum">
               <a:t>&lt;#&gt;</a:t>
             </a:fld>
           </a:p>
@@ -13601,7 +13601,7 @@
         <p:txBody>
           <a:bodyPr/>
           <a:p>
-            <a:fld id="{2F4DF6A1-9FA7-4E28-9D64-C016EB3BAD5C}" type="slidenum">
+            <a:fld id="{116AC729-F71E-4901-9EB7-97CFB6B92C16}" type="slidenum">
               <a:t>&lt;#&gt;</a:t>
             </a:fld>
           </a:p>
@@ -13826,7 +13826,7 @@
         <p:txBody>
           <a:bodyPr/>
           <a:p>
-            <a:fld id="{F360B65D-D6DB-4393-AE65-B6CE57336179}" type="slidenum">
+            <a:fld id="{34D6DCD2-502A-4371-9D43-0E8F16D3A1EB}" type="slidenum">
               <a:t>&lt;#&gt;</a:t>
             </a:fld>
           </a:p>
@@ -13992,7 +13992,7 @@
         <p:txBody>
           <a:bodyPr/>
           <a:p>
-            <a:fld id="{69012F30-615E-48CB-B789-F9DF6BD1A9E0}" type="slidenum">
+            <a:fld id="{BEFBDB95-EC96-4AE9-9343-378F7639F0A6}" type="slidenum">
               <a:t>&lt;#&gt;</a:t>
             </a:fld>
           </a:p>
@@ -14201,7 +14201,7 @@
         <p:txBody>
           <a:bodyPr/>
           <a:p>
-            <a:fld id="{53049BCB-59EF-4AEB-8B1D-B09021CA393F}" type="slidenum">
+            <a:fld id="{8A821A9A-DE20-4450-A0A9-F1116F7EC086}" type="slidenum">
               <a:t>&lt;#&gt;</a:t>
             </a:fld>
           </a:p>
@@ -14324,7 +14324,7 @@
         <p:txBody>
           <a:bodyPr/>
           <a:p>
-            <a:fld id="{E194E599-BFFB-4C66-AF2C-01453B8ECF7A}" type="slidenum">
+            <a:fld id="{E2A16227-4AFD-4FFE-95F5-5A233BBF6794}" type="slidenum">
               <a:t>&lt;#&gt;</a:t>
             </a:fld>
           </a:p>
@@ -14445,7 +14445,7 @@
         <p:txBody>
           <a:bodyPr/>
           <a:p>
-            <a:fld id="{B0BE2B87-FB6D-47AE-B7B6-FF2AD460BD4B}" type="slidenum">
+            <a:fld id="{F3B9129D-F3DD-45D4-AB67-111570DCC7B7}" type="slidenum">
               <a:t>&lt;#&gt;</a:t>
             </a:fld>
           </a:p>
@@ -14697,7 +14697,7 @@
         <p:txBody>
           <a:bodyPr/>
           <a:p>
-            <a:fld id="{67C7424F-25E5-44E7-815C-EDECF067EE91}" type="slidenum">
+            <a:fld id="{826BC8CC-2B02-43A8-9614-1D8BBE32A5EB}" type="slidenum">
               <a:t>&lt;#&gt;</a:t>
             </a:fld>
           </a:p>
@@ -14949,7 +14949,7 @@
         <p:txBody>
           <a:bodyPr/>
           <a:p>
-            <a:fld id="{85FD583F-99D4-4497-8774-32E501027874}" type="slidenum">
+            <a:fld id="{581F335E-C1F6-4B55-AD64-985391221D40}" type="slidenum">
               <a:t>&lt;#&gt;</a:t>
             </a:fld>
           </a:p>
@@ -15201,7 +15201,7 @@
         <p:txBody>
           <a:bodyPr/>
           <a:p>
-            <a:fld id="{2C8BF49E-EA87-43A0-A435-11EED20E992A}" type="slidenum">
+            <a:fld id="{2ED9D010-AB68-49EF-8DD9-B738B57FEAE8}" type="slidenum">
               <a:t>&lt;#&gt;</a:t>
             </a:fld>
           </a:p>
@@ -15410,7 +15410,7 @@
         <p:txBody>
           <a:bodyPr/>
           <a:p>
-            <a:fld id="{90BBFE6E-4AC9-43F5-825A-603EFBB13014}" type="slidenum">
+            <a:fld id="{B78C6C83-8AAC-48DE-9BE9-47C8F99B141A}" type="slidenum">
               <a:t>&lt;#&gt;</a:t>
             </a:fld>
           </a:p>
@@ -15705,7 +15705,7 @@
         <p:txBody>
           <a:bodyPr/>
           <a:p>
-            <a:fld id="{7367E9F2-D8F9-4CC2-8F6A-0E55677243AE}" type="slidenum">
+            <a:fld id="{4C8DBA6A-4AAD-448B-A8E8-0BF4DAFFF3D7}" type="slidenum">
               <a:t>&lt;#&gt;</a:t>
             </a:fld>
           </a:p>
@@ -16146,7 +16146,7 @@
         <p:txBody>
           <a:bodyPr/>
           <a:p>
-            <a:fld id="{31C81A18-EAC6-409B-86A6-F2179310D185}" type="slidenum">
+            <a:fld id="{91CEB4A7-DA09-48FD-AF2B-BE88424F9AFD}" type="slidenum">
               <a:t>&lt;#&gt;</a:t>
             </a:fld>
           </a:p>
@@ -18194,7 +18194,7 @@
         <p:txBody>
           <a:bodyPr/>
           <a:p>
-            <a:fld id="{5E1EFC54-3C00-4DC2-A72C-4A7323E57FEF}" type="slidenum">
+            <a:fld id="{F410BD97-289C-49B2-A696-E657E472D89A}" type="slidenum">
               <a:t>&lt;#&gt;</a:t>
             </a:fld>
           </a:p>
@@ -18357,7 +18357,7 @@
         <p:txBody>
           <a:bodyPr/>
           <a:p>
-            <a:fld id="{DE0E9FD0-0A61-4387-86B8-20D5D5E40133}" type="slidenum">
+            <a:fld id="{0EB0E2E6-BD86-4D74-9355-6BB9AC69A858}" type="slidenum">
               <a:t>&lt;#&gt;</a:t>
             </a:fld>
           </a:p>
@@ -18523,7 +18523,7 @@
         <p:txBody>
           <a:bodyPr/>
           <a:p>
-            <a:fld id="{4CF78021-8823-402C-89D5-CC228A4A171E}" type="slidenum">
+            <a:fld id="{EE07F6EB-2428-43A3-B6B7-7E1607EE14C0}" type="slidenum">
               <a:t>&lt;#&gt;</a:t>
             </a:fld>
           </a:p>
@@ -18732,7 +18732,7 @@
         <p:txBody>
           <a:bodyPr/>
           <a:p>
-            <a:fld id="{5860AE8A-5CCA-47B8-A474-7C57FC18F021}" type="slidenum">
+            <a:fld id="{B7491F37-EC26-4652-8B77-9741BFFC183C}" type="slidenum">
               <a:t>&lt;#&gt;</a:t>
             </a:fld>
           </a:p>
@@ -18855,7 +18855,7 @@
         <p:txBody>
           <a:bodyPr/>
           <a:p>
-            <a:fld id="{C17B65FB-0CA8-4C73-9537-51738F2AB3CE}" type="slidenum">
+            <a:fld id="{3E05BED3-1EA7-403C-A16E-BB9531D66151}" type="slidenum">
               <a:t>&lt;#&gt;</a:t>
             </a:fld>
           </a:p>
@@ -18976,7 +18976,7 @@
         <p:txBody>
           <a:bodyPr/>
           <a:p>
-            <a:fld id="{92E31A96-5B06-4D1D-BF74-6795304F063D}" type="slidenum">
+            <a:fld id="{161F4FE6-5E4F-4EF5-A64C-541240A9AA92}" type="slidenum">
               <a:t>&lt;#&gt;</a:t>
             </a:fld>
           </a:p>
@@ -19228,7 +19228,7 @@
         <p:txBody>
           <a:bodyPr/>
           <a:p>
-            <a:fld id="{CD28A8B8-0857-4AB5-86B3-52B4AE99294C}" type="slidenum">
+            <a:fld id="{579E17EF-2A1F-438B-9235-55F3D1420092}" type="slidenum">
               <a:t>&lt;#&gt;</a:t>
             </a:fld>
           </a:p>
@@ -19671,7 +19671,7 @@
         <p:txBody>
           <a:bodyPr/>
           <a:p>
-            <a:fld id="{6597B982-D725-4599-B5DF-6F42DAA7C7D4}" type="slidenum">
+            <a:fld id="{FE9EBA91-069E-4156-99F3-E2CAA5F51483}" type="slidenum">
               <a:t>&lt;#&gt;</a:t>
             </a:fld>
           </a:p>
@@ -19923,7 +19923,7 @@
         <p:txBody>
           <a:bodyPr/>
           <a:p>
-            <a:fld id="{7A7678CE-F2B3-483C-B20F-D76EF8A61418}" type="slidenum">
+            <a:fld id="{5C630BBD-FD4E-42DF-927B-A65622CCD115}" type="slidenum">
               <a:t>&lt;#&gt;</a:t>
             </a:fld>
           </a:p>
@@ -20132,7 +20132,7 @@
         <p:txBody>
           <a:bodyPr/>
           <a:p>
-            <a:fld id="{A1EDE935-DE14-40B6-B571-A97FD5306578}" type="slidenum">
+            <a:fld id="{4B74AFFD-5755-4E2D-B864-2BE7D3AC0FE2}" type="slidenum">
               <a:t>&lt;#&gt;</a:t>
             </a:fld>
           </a:p>
@@ -20427,7 +20427,7 @@
         <p:txBody>
           <a:bodyPr/>
           <a:p>
-            <a:fld id="{47AC5FD2-FE2F-4E6C-A173-D0B211CAE048}" type="slidenum">
+            <a:fld id="{EDBCC729-7C37-4647-85B5-D0FF5B486D39}" type="slidenum">
               <a:t>&lt;#&gt;</a:t>
             </a:fld>
           </a:p>
@@ -20808,7 +20808,7 @@
         <p:txBody>
           <a:bodyPr/>
           <a:p>
-            <a:fld id="{96CCDEF3-34E1-4384-89A3-E9DE04175E03}" type="slidenum">
+            <a:fld id="{BD44439D-427D-495E-BFCE-37D17390B7BD}" type="slidenum">
               <a:t>&lt;#&gt;</a:t>
             </a:fld>
           </a:p>
@@ -20891,7 +20891,7 @@
         <p:txBody>
           <a:bodyPr/>
           <a:p>
-            <a:fld id="{37D8FD32-687D-4488-B1CF-668663BAF73D}" type="slidenum">
+            <a:fld id="{DC1B9331-F59F-4051-8DCA-A558FF949865}" type="slidenum">
               <a:t>&lt;#&gt;</a:t>
             </a:fld>
           </a:p>
@@ -21054,7 +21054,7 @@
         <p:txBody>
           <a:bodyPr/>
           <a:p>
-            <a:fld id="{596927DF-8798-440B-B8F8-F8D17C7EEB93}" type="slidenum">
+            <a:fld id="{DAADF0DB-AD50-40ED-87DD-BD8E0B86CA6B}" type="slidenum">
               <a:t>&lt;#&gt;</a:t>
             </a:fld>
           </a:p>
@@ -21220,7 +21220,7 @@
         <p:txBody>
           <a:bodyPr/>
           <a:p>
-            <a:fld id="{0B1A42C6-5855-4B41-8826-835598FCF0C5}" type="slidenum">
+            <a:fld id="{A5769CC2-C5AF-4B62-8065-43CEFD0CBDD0}" type="slidenum">
               <a:t>&lt;#&gt;</a:t>
             </a:fld>
           </a:p>
@@ -21429,7 +21429,7 @@
         <p:txBody>
           <a:bodyPr/>
           <a:p>
-            <a:fld id="{D14297EA-D2D8-48BF-81B6-5F77E8754E20}" type="slidenum">
+            <a:fld id="{5C3A30F2-7DA9-43C1-BA0A-242C22D16980}" type="slidenum">
               <a:t>&lt;#&gt;</a:t>
             </a:fld>
           </a:p>
@@ -21552,7 +21552,7 @@
         <p:txBody>
           <a:bodyPr/>
           <a:p>
-            <a:fld id="{AF1400AA-9E12-44B8-AC13-4298312B69C0}" type="slidenum">
+            <a:fld id="{BF7D098A-9979-4861-869D-C4B88D6D0D51}" type="slidenum">
               <a:t>&lt;#&gt;</a:t>
             </a:fld>
           </a:p>
@@ -21864,7 +21864,7 @@
         <p:txBody>
           <a:bodyPr/>
           <a:p>
-            <a:fld id="{DCB142F9-A189-4238-B115-7F782614314B}" type="slidenum">
+            <a:fld id="{6B72ECFD-1DFF-4175-801E-71C99E0CA855}" type="slidenum">
               <a:t>&lt;#&gt;</a:t>
             </a:fld>
           </a:p>
@@ -22116,7 +22116,7 @@
         <p:txBody>
           <a:bodyPr/>
           <a:p>
-            <a:fld id="{43AAC20F-7511-4057-94E0-F6325BF264AC}" type="slidenum">
+            <a:fld id="{D42CC74A-5834-4A29-B64A-EAD50BE01D7D}" type="slidenum">
               <a:t>&lt;#&gt;</a:t>
             </a:fld>
           </a:p>
@@ -22368,7 +22368,7 @@
         <p:txBody>
           <a:bodyPr/>
           <a:p>
-            <a:fld id="{39E50745-282D-4018-9FC4-A0168CC52598}" type="slidenum">
+            <a:fld id="{0EE74FD9-1C9F-4EF4-BC2E-CA773E4F2E27}" type="slidenum">
               <a:t>&lt;#&gt;</a:t>
             </a:fld>
           </a:p>
@@ -22620,7 +22620,7 @@
         <p:txBody>
           <a:bodyPr/>
           <a:p>
-            <a:fld id="{B21913BF-347A-4A9F-9C04-98F909C566F3}" type="slidenum">
+            <a:fld id="{AB3DA8F0-4084-41FC-8BAF-04B37F2C5361}" type="slidenum">
               <a:t>&lt;#&gt;</a:t>
             </a:fld>
           </a:p>
@@ -22829,7 +22829,7 @@
         <p:txBody>
           <a:bodyPr/>
           <a:p>
-            <a:fld id="{3E32334D-B02E-4070-AF7B-BF19056C71A9}" type="slidenum">
+            <a:fld id="{2FA6AC22-CE9C-42DF-944F-E650C163E460}" type="slidenum">
               <a:t>&lt;#&gt;</a:t>
             </a:fld>
           </a:p>
@@ -23124,7 +23124,7 @@
         <p:txBody>
           <a:bodyPr/>
           <a:p>
-            <a:fld id="{F386F981-4F92-4578-A111-72D6E52B99CB}" type="slidenum">
+            <a:fld id="{FD89D618-D978-4A2A-A15E-EFF46765E9F2}" type="slidenum">
               <a:t>&lt;#&gt;</a:t>
             </a:fld>
           </a:p>
@@ -23505,7 +23505,7 @@
         <p:txBody>
           <a:bodyPr/>
           <a:p>
-            <a:fld id="{26FCF65D-A26A-4B0F-904B-3105FF7963D7}" type="slidenum">
+            <a:fld id="{0A6EAD88-2647-4B51-AF32-EBBA70B6B215}" type="slidenum">
               <a:t>&lt;#&gt;</a:t>
             </a:fld>
           </a:p>
@@ -23588,7 +23588,7 @@
         <p:txBody>
           <a:bodyPr/>
           <a:p>
-            <a:fld id="{1472C5D2-0891-4E13-82B7-2F1AC2A27E49}" type="slidenum">
+            <a:fld id="{260066C6-54BE-429E-A44F-E62948AF3E62}" type="slidenum">
               <a:t>&lt;#&gt;</a:t>
             </a:fld>
           </a:p>
@@ -23751,7 +23751,7 @@
         <p:txBody>
           <a:bodyPr/>
           <a:p>
-            <a:fld id="{22F50DA3-FFC2-4E76-9F0C-6C9D524AC0C6}" type="slidenum">
+            <a:fld id="{463F0BC2-846E-4312-8752-76C968A2838C}" type="slidenum">
               <a:t>&lt;#&gt;</a:t>
             </a:fld>
           </a:p>
@@ -23917,7 +23917,7 @@
         <p:txBody>
           <a:bodyPr/>
           <a:p>
-            <a:fld id="{74A7FB52-4442-4C0F-8803-8C7E9E952742}" type="slidenum">
+            <a:fld id="{EFE81A29-A057-421A-99CC-E1FAFE3023A5}" type="slidenum">
               <a:t>&lt;#&gt;</a:t>
             </a:fld>
           </a:p>
@@ -26127,7 +26127,7 @@
             <a:pPr indent="0" algn="r">
               <a:buNone/>
             </a:pPr>
-            <a:fld id="{EE0A600E-3BF3-4A73-A4DE-680915D10A30}" type="slidenum">
+            <a:fld id="{6FF6FC36-9AB0-4950-BA43-DDDF74A595A8}" type="slidenum">
               <a:rPr b="0" lang="en-ID" sz="1400" spc="-1" strike="noStrike">
                 <a:solidFill>
                   <a:srgbClr val="000000"/>
@@ -29755,7 +29755,7 @@
             <a:pPr indent="0" algn="r">
               <a:buNone/>
             </a:pPr>
-            <a:fld id="{1C15C23A-3FD9-4F44-8118-BD29A50C4994}" type="slidenum">
+            <a:fld id="{FA5BCB30-E7B6-4303-B5CA-11B03E1827FB}" type="slidenum">
               <a:rPr b="0" lang="en-ID" sz="1400" spc="-1" strike="noStrike">
                 <a:solidFill>
                   <a:srgbClr val="000000"/>
@@ -31615,7 +31615,7 @@
             <a:pPr indent="0" algn="r">
               <a:buNone/>
             </a:pPr>
-            <a:fld id="{305BD1E2-2C67-4F4A-B207-433733BAC83A}" type="slidenum">
+            <a:fld id="{2665925C-3280-4ACC-B06C-61F784FDFF53}" type="slidenum">
               <a:rPr b="0" lang="en-ID" sz="1400" spc="-1" strike="noStrike">
                 <a:solidFill>
                   <a:srgbClr val="000000"/>
@@ -35325,7 +35325,7 @@
             <a:pPr indent="0" algn="r">
               <a:buNone/>
             </a:pPr>
-            <a:fld id="{404848C9-385A-4965-917B-C9A826670454}" type="slidenum">
+            <a:fld id="{CBA2F218-AD26-4D95-BFC2-E4CB560F0771}" type="slidenum">
               <a:rPr b="0" lang="en-ID" sz="1400" spc="-1" strike="noStrike">
                 <a:solidFill>
                   <a:srgbClr val="000000"/>
@@ -36649,7 +36649,7 @@
             <a:pPr indent="0" algn="r">
               <a:buNone/>
             </a:pPr>
-            <a:fld id="{DAB18205-E255-457E-A5C3-789B838B6F9B}" type="slidenum">
+            <a:fld id="{7BB7CD02-1028-4E06-AC99-D1AC6FD17C69}" type="slidenum">
               <a:rPr b="0" lang="en-ID" sz="1400" spc="-1" strike="noStrike">
                 <a:solidFill>
                   <a:srgbClr val="000000"/>
@@ -37228,7 +37228,7 @@
             <a:pPr indent="0" algn="r">
               <a:buNone/>
             </a:pPr>
-            <a:fld id="{CE51AB6E-8904-4C93-840A-5377873CA98E}" type="slidenum">
+            <a:fld id="{903AE2F2-174C-47CF-BBE0-99FD7CE07396}" type="slidenum">
               <a:rPr b="0" lang="en-ID" sz="1400" spc="-1" strike="noStrike">
                 <a:solidFill>
                   <a:srgbClr val="000000"/>
@@ -42655,8 +42655,8 @@
         </p:blipFill>
         <p:spPr>
           <a:xfrm>
-            <a:off x="1249920" y="1325880"/>
-            <a:ext cx="7713720" cy="4263120"/>
+            <a:off x="1951560" y="1011960"/>
+            <a:ext cx="6300720" cy="4658040"/>
           </a:xfrm>
           <a:prstGeom prst="rect">
             <a:avLst/>
@@ -45763,8 +45763,8 @@
         </p:blipFill>
         <p:spPr>
           <a:xfrm>
-            <a:off x="4938840" y="22680"/>
-            <a:ext cx="2875680" cy="5669640"/>
+            <a:off x="4249440" y="-18360"/>
+            <a:ext cx="3374280" cy="5669640"/>
           </a:xfrm>
           <a:prstGeom prst="rect">
             <a:avLst/>
@@ -53685,88 +53685,7 @@
                 </a:solidFill>
                 <a:latin typeface="Noto Sans"/>
               </a:rPr>
-              <a:t>2</a:t>
-            </a:r>
-            <a:r>
-              <a:rPr b="0" lang="en-ID" sz="1800" spc="-1" strike="noStrike">
-                <a:solidFill>
-                  <a:srgbClr val="000000"/>
-                </a:solidFill>
-                <a:latin typeface="Noto Sans"/>
-              </a:rPr>
-              <a:t>8 </a:t>
-            </a:r>
-            <a:r>
-              <a:rPr b="0" lang="en-ID" sz="1800" spc="-1" strike="noStrike">
-                <a:solidFill>
-                  <a:srgbClr val="000000"/>
-                </a:solidFill>
-                <a:latin typeface="Noto Sans"/>
-              </a:rPr>
-              <a:t>M</a:t>
-            </a:r>
-            <a:r>
-              <a:rPr b="0" lang="en-ID" sz="1800" spc="-1" strike="noStrike">
-                <a:solidFill>
-                  <a:srgbClr val="000000"/>
-                </a:solidFill>
-                <a:latin typeface="Noto Sans"/>
-              </a:rPr>
-              <a:t>e</a:t>
-            </a:r>
-            <a:r>
-              <a:rPr b="0" lang="en-ID" sz="1800" spc="-1" strike="noStrike">
-                <a:solidFill>
-                  <a:srgbClr val="000000"/>
-                </a:solidFill>
-                <a:latin typeface="Noto Sans"/>
-              </a:rPr>
-              <a:t>i </a:t>
-            </a:r>
-            <a:r>
-              <a:rPr b="0" lang="en-ID" sz="1800" spc="-1" strike="noStrike">
-                <a:solidFill>
-                  <a:srgbClr val="000000"/>
-                </a:solidFill>
-                <a:latin typeface="Noto Sans"/>
-              </a:rPr>
-              <a:t>– </a:t>
-            </a:r>
-            <a:r>
-              <a:rPr b="0" lang="en-ID" sz="1800" spc="-1" strike="noStrike">
-                <a:solidFill>
-                  <a:srgbClr val="000000"/>
-                </a:solidFill>
-                <a:latin typeface="Noto Sans"/>
-              </a:rPr>
-              <a:t>3 </a:t>
-            </a:r>
-            <a:r>
-              <a:rPr b="0" lang="en-ID" sz="1800" spc="-1" strike="noStrike">
-                <a:solidFill>
-                  <a:srgbClr val="000000"/>
-                </a:solidFill>
-                <a:latin typeface="Noto Sans"/>
-              </a:rPr>
-              <a:t>J</a:t>
-            </a:r>
-            <a:r>
-              <a:rPr b="0" lang="en-ID" sz="1800" spc="-1" strike="noStrike">
-                <a:solidFill>
-                  <a:srgbClr val="000000"/>
-                </a:solidFill>
-                <a:latin typeface="Noto Sans"/>
-              </a:rPr>
-              <a:t>u</a:t>
-            </a:r>
-            <a:r>
-              <a:rPr b="0" lang="en-ID" sz="1800" spc="-1" strike="noStrike">
-                <a:solidFill>
-                  <a:srgbClr val="000000"/>
-                </a:solidFill>
-                <a:latin typeface="Noto Sans"/>
-              </a:rPr>
-              <a:t>n</a:t>
+              <a:t>28 Mei – 3 Jun</a:t>
             </a:r>
             <a:endParaRPr b="0" lang="en-ID" sz="1800" spc="-1" strike="noStrike">
               <a:solidFill>
@@ -53784,133 +53703,7 @@
                 </a:solidFill>
                 <a:latin typeface="Noto Sans"/>
               </a:rPr>
-              <a:t>P</a:t>
-            </a:r>
-            <a:r>
-              <a:rPr b="0" lang="en-ID" sz="1800" spc="-1" strike="noStrike">
-                <a:solidFill>
-                  <a:srgbClr val="000000"/>
-                </a:solidFill>
-                <a:latin typeface="Noto Sans"/>
-              </a:rPr>
-              <a:t>e</a:t>
-            </a:r>
-            <a:r>
-              <a:rPr b="0" lang="en-ID" sz="1800" spc="-1" strike="noStrike">
-                <a:solidFill>
-                  <a:srgbClr val="000000"/>
-                </a:solidFill>
-                <a:latin typeface="Noto Sans"/>
-              </a:rPr>
-              <a:t>n</a:t>
-            </a:r>
-            <a:r>
-              <a:rPr b="0" lang="en-ID" sz="1800" spc="-1" strike="noStrike">
-                <a:solidFill>
-                  <a:srgbClr val="000000"/>
-                </a:solidFill>
-                <a:latin typeface="Noto Sans"/>
-              </a:rPr>
-              <a:t>e</a:t>
-            </a:r>
-            <a:r>
-              <a:rPr b="0" lang="en-ID" sz="1800" spc="-1" strike="noStrike">
-                <a:solidFill>
-                  <a:srgbClr val="000000"/>
-                </a:solidFill>
-                <a:latin typeface="Noto Sans"/>
-              </a:rPr>
-              <a:t>n</a:t>
-            </a:r>
-            <a:r>
-              <a:rPr b="0" lang="en-ID" sz="1800" spc="-1" strike="noStrike">
-                <a:solidFill>
-                  <a:srgbClr val="000000"/>
-                </a:solidFill>
-                <a:latin typeface="Noto Sans"/>
-              </a:rPr>
-              <a:t>t</a:t>
-            </a:r>
-            <a:r>
-              <a:rPr b="0" lang="en-ID" sz="1800" spc="-1" strike="noStrike">
-                <a:solidFill>
-                  <a:srgbClr val="000000"/>
-                </a:solidFill>
-                <a:latin typeface="Noto Sans"/>
-              </a:rPr>
-              <a:t>u</a:t>
-            </a:r>
-            <a:r>
-              <a:rPr b="0" lang="en-ID" sz="1800" spc="-1" strike="noStrike">
-                <a:solidFill>
-                  <a:srgbClr val="000000"/>
-                </a:solidFill>
-                <a:latin typeface="Noto Sans"/>
-              </a:rPr>
-              <a:t>a</a:t>
-            </a:r>
-            <a:r>
-              <a:rPr b="0" lang="en-ID" sz="1800" spc="-1" strike="noStrike">
-                <a:solidFill>
-                  <a:srgbClr val="000000"/>
-                </a:solidFill>
-                <a:latin typeface="Noto Sans"/>
-              </a:rPr>
-              <a:t>n</a:t>
-            </a:r>
-            <a:r>
-              <a:rPr b="0" lang="en-ID" sz="1800" spc="-1" strike="noStrike">
-                <a:solidFill>
-                  <a:srgbClr val="000000"/>
-                </a:solidFill>
-                <a:latin typeface="Noto Sans"/>
-              </a:rPr>
-              <a:t> </a:t>
-            </a:r>
-            <a:r>
-              <a:rPr b="0" lang="en-ID" sz="1800" spc="-1" strike="noStrike">
-                <a:solidFill>
-                  <a:srgbClr val="000000"/>
-                </a:solidFill>
-                <a:latin typeface="Noto Sans"/>
-              </a:rPr>
-              <a:t>J</a:t>
-            </a:r>
-            <a:r>
-              <a:rPr b="0" lang="en-ID" sz="1800" spc="-1" strike="noStrike">
-                <a:solidFill>
-                  <a:srgbClr val="000000"/>
-                </a:solidFill>
-                <a:latin typeface="Noto Sans"/>
-              </a:rPr>
-              <a:t>u</a:t>
-            </a:r>
-            <a:r>
-              <a:rPr b="0" lang="en-ID" sz="1800" spc="-1" strike="noStrike">
-                <a:solidFill>
-                  <a:srgbClr val="000000"/>
-                </a:solidFill>
-                <a:latin typeface="Noto Sans"/>
-              </a:rPr>
-              <a:t>d</a:t>
-            </a:r>
-            <a:r>
-              <a:rPr b="0" lang="en-ID" sz="1800" spc="-1" strike="noStrike">
-                <a:solidFill>
-                  <a:srgbClr val="000000"/>
-                </a:solidFill>
-                <a:latin typeface="Noto Sans"/>
-              </a:rPr>
-              <a:t>u</a:t>
-            </a:r>
-            <a:r>
-              <a:rPr b="0" lang="en-ID" sz="1800" spc="-1" strike="noStrike">
-                <a:solidFill>
-                  <a:srgbClr val="000000"/>
-                </a:solidFill>
-                <a:latin typeface="Noto Sans"/>
-              </a:rPr>
-              <a:t>l</a:t>
+              <a:t>Penentuan Judul</a:t>
             </a:r>
             <a:endParaRPr b="0" lang="en-ID" sz="1800" spc="-1" strike="noStrike">
               <a:solidFill>
@@ -53929,7 +53722,7 @@
         </p:nvSpPr>
         <p:spPr>
           <a:xfrm>
-            <a:off x="1563840" y="2847600"/>
+            <a:off x="1532880" y="2927880"/>
             <a:ext cx="1824840" cy="661680"/>
           </a:xfrm>
           <a:prstGeom prst="rect">
@@ -53963,52 +53756,7 @@
                 </a:solidFill>
                 <a:latin typeface="Noto Sans"/>
               </a:rPr>
-              <a:t>5 </a:t>
-            </a:r>
-            <a:r>
-              <a:rPr b="0" lang="en-ID" sz="1800" spc="-1" strike="noStrike">
-                <a:solidFill>
-                  <a:srgbClr val="000000"/>
-                </a:solidFill>
-                <a:latin typeface="Noto Sans"/>
-              </a:rPr>
-              <a:t>– </a:t>
-            </a:r>
-            <a:r>
-              <a:rPr b="0" lang="en-ID" sz="1800" spc="-1" strike="noStrike">
-                <a:solidFill>
-                  <a:srgbClr val="000000"/>
-                </a:solidFill>
-                <a:latin typeface="Noto Sans"/>
-              </a:rPr>
-              <a:t>7 </a:t>
-            </a:r>
-            <a:r>
-              <a:rPr b="0" lang="en-ID" sz="1800" spc="-1" strike="noStrike">
-                <a:solidFill>
-                  <a:srgbClr val="000000"/>
-                </a:solidFill>
-                <a:latin typeface="Noto Sans"/>
-              </a:rPr>
-              <a:t>J</a:t>
-            </a:r>
-            <a:r>
-              <a:rPr b="0" lang="en-ID" sz="1800" spc="-1" strike="noStrike">
-                <a:solidFill>
-                  <a:srgbClr val="000000"/>
-                </a:solidFill>
-                <a:latin typeface="Noto Sans"/>
-              </a:rPr>
-              <a:t>u</a:t>
-            </a:r>
-            <a:r>
-              <a:rPr b="0" lang="en-ID" sz="1800" spc="-1" strike="noStrike">
-                <a:solidFill>
-                  <a:srgbClr val="000000"/>
-                </a:solidFill>
-                <a:latin typeface="Noto Sans"/>
-              </a:rPr>
-              <a:t>n</a:t>
+              <a:t>5 – 7 Jun</a:t>
             </a:r>
             <a:endParaRPr b="0" lang="en-ID" sz="1800" spc="-1" strike="noStrike">
               <a:solidFill>
@@ -54026,115 +53774,7 @@
                 </a:solidFill>
                 <a:latin typeface="Noto Sans"/>
               </a:rPr>
-              <a:t>K</a:t>
-            </a:r>
-            <a:r>
-              <a:rPr b="0" lang="en-ID" sz="1800" spc="-1" strike="noStrike">
-                <a:solidFill>
-                  <a:srgbClr val="000000"/>
-                </a:solidFill>
-                <a:latin typeface="Noto Sans"/>
-              </a:rPr>
-              <a:t>u</a:t>
-            </a:r>
-            <a:r>
-              <a:rPr b="0" lang="en-ID" sz="1800" spc="-1" strike="noStrike">
-                <a:solidFill>
-                  <a:srgbClr val="000000"/>
-                </a:solidFill>
-                <a:latin typeface="Noto Sans"/>
-              </a:rPr>
-              <a:t>r</a:t>
-            </a:r>
-            <a:r>
-              <a:rPr b="0" lang="en-ID" sz="1800" spc="-1" strike="noStrike">
-                <a:solidFill>
-                  <a:srgbClr val="000000"/>
-                </a:solidFill>
-                <a:latin typeface="Noto Sans"/>
-              </a:rPr>
-              <a:t>a</a:t>
-            </a:r>
-            <a:r>
-              <a:rPr b="0" lang="en-ID" sz="1800" spc="-1" strike="noStrike">
-                <a:solidFill>
-                  <a:srgbClr val="000000"/>
-                </a:solidFill>
-                <a:latin typeface="Noto Sans"/>
-              </a:rPr>
-              <a:t>s</a:t>
-            </a:r>
-            <a:r>
-              <a:rPr b="0" lang="en-ID" sz="1800" spc="-1" strike="noStrike">
-                <a:solidFill>
-                  <a:srgbClr val="000000"/>
-                </a:solidFill>
-                <a:latin typeface="Noto Sans"/>
-              </a:rPr>
-              <a:t>i </a:t>
-            </a:r>
-            <a:r>
-              <a:rPr b="0" lang="en-ID" sz="1800" spc="-1" strike="noStrike">
-                <a:solidFill>
-                  <a:srgbClr val="000000"/>
-                </a:solidFill>
-                <a:latin typeface="Noto Sans"/>
-              </a:rPr>
-              <a:t>D</a:t>
-            </a:r>
-            <a:r>
-              <a:rPr b="0" lang="en-ID" sz="1800" spc="-1" strike="noStrike">
-                <a:solidFill>
-                  <a:srgbClr val="000000"/>
-                </a:solidFill>
-                <a:latin typeface="Noto Sans"/>
-              </a:rPr>
-              <a:t>a</a:t>
-            </a:r>
-            <a:r>
-              <a:rPr b="0" lang="en-ID" sz="1800" spc="-1" strike="noStrike">
-                <a:solidFill>
-                  <a:srgbClr val="000000"/>
-                </a:solidFill>
-                <a:latin typeface="Noto Sans"/>
-              </a:rPr>
-              <a:t>t</a:t>
-            </a:r>
-            <a:r>
-              <a:rPr b="0" lang="en-ID" sz="1800" spc="-1" strike="noStrike">
-                <a:solidFill>
-                  <a:srgbClr val="000000"/>
-                </a:solidFill>
-                <a:latin typeface="Noto Sans"/>
-              </a:rPr>
-              <a:t>a</a:t>
-            </a:r>
-            <a:r>
-              <a:rPr b="0" lang="en-ID" sz="1800" spc="-1" strike="noStrike">
-                <a:solidFill>
-                  <a:srgbClr val="000000"/>
-                </a:solidFill>
-                <a:latin typeface="Noto Sans"/>
-              </a:rPr>
-              <a:t>s</a:t>
-            </a:r>
-            <a:r>
-              <a:rPr b="0" lang="en-ID" sz="1800" spc="-1" strike="noStrike">
-                <a:solidFill>
-                  <a:srgbClr val="000000"/>
-                </a:solidFill>
-                <a:latin typeface="Noto Sans"/>
-              </a:rPr>
-              <a:t>e</a:t>
-            </a:r>
-            <a:r>
-              <a:rPr b="0" lang="en-ID" sz="1800" spc="-1" strike="noStrike">
-                <a:solidFill>
-                  <a:srgbClr val="000000"/>
-                </a:solidFill>
-                <a:latin typeface="Noto Sans"/>
-              </a:rPr>
-              <a:t>t</a:t>
+              <a:t>Kurasi Dataset</a:t>
             </a:r>
             <a:endParaRPr b="0" lang="en-ID" sz="1800" spc="-1" strike="noStrike">
               <a:solidFill>
@@ -54153,7 +53793,7 @@
         </p:nvSpPr>
         <p:spPr>
           <a:xfrm>
-            <a:off x="2997720" y="1805040"/>
+            <a:off x="2997720" y="1767960"/>
             <a:ext cx="1824840" cy="661680"/>
           </a:xfrm>
           <a:prstGeom prst="rect">
@@ -54224,7 +53864,7 @@
         </p:nvSpPr>
         <p:spPr>
           <a:xfrm>
-            <a:off x="4290840" y="2847600"/>
+            <a:off x="4290840" y="2924640"/>
             <a:ext cx="1824840" cy="942480"/>
           </a:xfrm>
           <a:prstGeom prst="rect">
@@ -54313,7 +53953,7 @@
         </p:nvSpPr>
         <p:spPr>
           <a:xfrm>
-            <a:off x="5574600" y="1554120"/>
+            <a:off x="5656320" y="1513080"/>
             <a:ext cx="1824840" cy="922680"/>
           </a:xfrm>
           <a:prstGeom prst="rect">
@@ -54402,7 +54042,7 @@
         </p:nvSpPr>
         <p:spPr>
           <a:xfrm>
-            <a:off x="7018200" y="2847240"/>
+            <a:off x="7018200" y="2929680"/>
             <a:ext cx="1824840" cy="682200"/>
           </a:xfrm>
           <a:prstGeom prst="rect">
@@ -54461,6 +54101,252 @@
                 <a:srgbClr val="000000"/>
               </a:solidFill>
               <a:latin typeface="Noto Sans"/>
+            </a:endParaRPr>
+          </a:p>
+        </p:txBody>
+      </p:sp>
+      <p:sp>
+        <p:nvSpPr>
+          <p:cNvPr id="677" name=""/>
+          <p:cNvSpPr/>
+          <p:nvPr/>
+        </p:nvSpPr>
+        <p:spPr>
+          <a:xfrm flipV="1">
+            <a:off x="1478160" y="2436480"/>
+            <a:ext cx="0" cy="240480"/>
+          </a:xfrm>
+          <a:prstGeom prst="line">
+            <a:avLst/>
+          </a:prstGeom>
+          <a:ln w="54720">
+            <a:solidFill>
+              <a:srgbClr val="000000"/>
+            </a:solidFill>
+            <a:round/>
+          </a:ln>
+        </p:spPr>
+        <p:style>
+          <a:lnRef idx="0"/>
+          <a:fillRef idx="0"/>
+          <a:effectRef idx="0"/>
+          <a:fontRef idx="minor"/>
+        </p:style>
+        <p:txBody>
+          <a:bodyPr lIns="27360" rIns="27360" tIns="27360" bIns="27360" anchor="ctr">
+            <a:noAutofit/>
+          </a:bodyPr>
+          <a:p>
+            <a:endParaRPr b="0" lang="en-ID" sz="1800" spc="-1" strike="noStrike">
+              <a:solidFill>
+                <a:srgbClr val="000000"/>
+              </a:solidFill>
+              <a:latin typeface="Arial"/>
+            </a:endParaRPr>
+          </a:p>
+        </p:txBody>
+      </p:sp>
+      <p:sp>
+        <p:nvSpPr>
+          <p:cNvPr id="678" name=""/>
+          <p:cNvSpPr/>
+          <p:nvPr/>
+        </p:nvSpPr>
+        <p:spPr>
+          <a:xfrm flipV="1">
+            <a:off x="2378160" y="2680560"/>
+            <a:ext cx="0" cy="240480"/>
+          </a:xfrm>
+          <a:prstGeom prst="line">
+            <a:avLst/>
+          </a:prstGeom>
+          <a:ln w="54720">
+            <a:solidFill>
+              <a:srgbClr val="000000"/>
+            </a:solidFill>
+            <a:round/>
+          </a:ln>
+        </p:spPr>
+        <p:style>
+          <a:lnRef idx="0"/>
+          <a:fillRef idx="0"/>
+          <a:effectRef idx="0"/>
+          <a:fontRef idx="minor"/>
+        </p:style>
+        <p:txBody>
+          <a:bodyPr lIns="27360" rIns="27360" tIns="27360" bIns="27360" anchor="ctr">
+            <a:noAutofit/>
+          </a:bodyPr>
+          <a:p>
+            <a:endParaRPr b="0" lang="en-ID" sz="1800" spc="-1" strike="noStrike">
+              <a:solidFill>
+                <a:srgbClr val="000000"/>
+              </a:solidFill>
+              <a:latin typeface="Arial"/>
+            </a:endParaRPr>
+          </a:p>
+        </p:txBody>
+      </p:sp>
+      <p:sp>
+        <p:nvSpPr>
+          <p:cNvPr id="679" name=""/>
+          <p:cNvSpPr/>
+          <p:nvPr/>
+        </p:nvSpPr>
+        <p:spPr>
+          <a:xfrm flipV="1">
+            <a:off x="3890160" y="2436480"/>
+            <a:ext cx="0" cy="240480"/>
+          </a:xfrm>
+          <a:prstGeom prst="line">
+            <a:avLst/>
+          </a:prstGeom>
+          <a:ln w="54720">
+            <a:solidFill>
+              <a:srgbClr val="000000"/>
+            </a:solidFill>
+            <a:round/>
+          </a:ln>
+        </p:spPr>
+        <p:style>
+          <a:lnRef idx="0"/>
+          <a:fillRef idx="0"/>
+          <a:effectRef idx="0"/>
+          <a:fontRef idx="minor"/>
+        </p:style>
+        <p:txBody>
+          <a:bodyPr lIns="27360" rIns="27360" tIns="27360" bIns="27360" anchor="ctr">
+            <a:noAutofit/>
+          </a:bodyPr>
+          <a:p>
+            <a:endParaRPr b="0" lang="en-ID" sz="1800" spc="-1" strike="noStrike">
+              <a:solidFill>
+                <a:srgbClr val="000000"/>
+              </a:solidFill>
+              <a:latin typeface="Arial"/>
+            </a:endParaRPr>
+          </a:p>
+        </p:txBody>
+      </p:sp>
+      <p:sp>
+        <p:nvSpPr>
+          <p:cNvPr id="680" name=""/>
+          <p:cNvSpPr/>
+          <p:nvPr/>
+        </p:nvSpPr>
+        <p:spPr>
+          <a:xfrm flipV="1">
+            <a:off x="5150160" y="2680560"/>
+            <a:ext cx="0" cy="240480"/>
+          </a:xfrm>
+          <a:prstGeom prst="line">
+            <a:avLst/>
+          </a:prstGeom>
+          <a:ln w="54720">
+            <a:solidFill>
+              <a:srgbClr val="000000"/>
+            </a:solidFill>
+            <a:round/>
+          </a:ln>
+        </p:spPr>
+        <p:style>
+          <a:lnRef idx="0"/>
+          <a:fillRef idx="0"/>
+          <a:effectRef idx="0"/>
+          <a:fontRef idx="minor"/>
+        </p:style>
+        <p:txBody>
+          <a:bodyPr lIns="27360" rIns="27360" tIns="27360" bIns="27360" anchor="ctr">
+            <a:noAutofit/>
+          </a:bodyPr>
+          <a:p>
+            <a:endParaRPr b="0" lang="en-ID" sz="1800" spc="-1" strike="noStrike">
+              <a:solidFill>
+                <a:srgbClr val="000000"/>
+              </a:solidFill>
+              <a:latin typeface="Arial"/>
+            </a:endParaRPr>
+          </a:p>
+        </p:txBody>
+      </p:sp>
+      <p:sp>
+        <p:nvSpPr>
+          <p:cNvPr id="681" name=""/>
+          <p:cNvSpPr/>
+          <p:nvPr/>
+        </p:nvSpPr>
+        <p:spPr>
+          <a:xfrm flipV="1">
+            <a:off x="6590160" y="2436480"/>
+            <a:ext cx="0" cy="240480"/>
+          </a:xfrm>
+          <a:prstGeom prst="line">
+            <a:avLst/>
+          </a:prstGeom>
+          <a:ln w="54720">
+            <a:solidFill>
+              <a:srgbClr val="000000"/>
+            </a:solidFill>
+            <a:round/>
+          </a:ln>
+        </p:spPr>
+        <p:style>
+          <a:lnRef idx="0"/>
+          <a:fillRef idx="0"/>
+          <a:effectRef idx="0"/>
+          <a:fontRef idx="minor"/>
+        </p:style>
+        <p:txBody>
+          <a:bodyPr lIns="27360" rIns="27360" tIns="27360" bIns="27360" anchor="ctr">
+            <a:noAutofit/>
+          </a:bodyPr>
+          <a:p>
+            <a:endParaRPr b="0" lang="en-ID" sz="1800" spc="-1" strike="noStrike">
+              <a:solidFill>
+                <a:srgbClr val="000000"/>
+              </a:solidFill>
+              <a:latin typeface="Arial"/>
+            </a:endParaRPr>
+          </a:p>
+        </p:txBody>
+      </p:sp>
+      <p:sp>
+        <p:nvSpPr>
+          <p:cNvPr id="682" name=""/>
+          <p:cNvSpPr/>
+          <p:nvPr/>
+        </p:nvSpPr>
+        <p:spPr>
+          <a:xfrm flipV="1">
+            <a:off x="7958160" y="2680560"/>
+            <a:ext cx="0" cy="240480"/>
+          </a:xfrm>
+          <a:prstGeom prst="line">
+            <a:avLst/>
+          </a:prstGeom>
+          <a:ln w="54720">
+            <a:solidFill>
+              <a:srgbClr val="000000"/>
+            </a:solidFill>
+            <a:round/>
+          </a:ln>
+        </p:spPr>
+        <p:style>
+          <a:lnRef idx="0"/>
+          <a:fillRef idx="0"/>
+          <a:effectRef idx="0"/>
+          <a:fontRef idx="minor"/>
+        </p:style>
+        <p:txBody>
+          <a:bodyPr lIns="27360" rIns="27360" tIns="27360" bIns="27360" anchor="ctr">
+            <a:noAutofit/>
+          </a:bodyPr>
+          <a:p>
+            <a:endParaRPr b="0" lang="en-ID" sz="1800" spc="-1" strike="noStrike">
+              <a:solidFill>
+                <a:srgbClr val="000000"/>
+              </a:solidFill>
+              <a:latin typeface="Arial"/>
             </a:endParaRPr>
           </a:p>
         </p:txBody>
@@ -54505,7 +54391,7 @@
       </p:grpSpPr>
       <p:grpSp>
         <p:nvGrpSpPr>
-          <p:cNvPr id="677" name=""/>
+          <p:cNvPr id="683" name=""/>
           <p:cNvGrpSpPr/>
           <p:nvPr/>
         </p:nvGrpSpPr>
@@ -54519,7 +54405,7 @@
         </p:grpSpPr>
         <p:sp>
           <p:nvSpPr>
-            <p:cNvPr id="678" name=""/>
+            <p:cNvPr id="684" name=""/>
             <p:cNvSpPr/>
             <p:nvPr/>
           </p:nvSpPr>
@@ -54853,7 +54739,7 @@
         </p:sp>
         <p:sp>
           <p:nvSpPr>
-            <p:cNvPr id="679" name=""/>
+            <p:cNvPr id="685" name=""/>
             <p:cNvSpPr/>
             <p:nvPr/>
           </p:nvSpPr>
@@ -55187,7 +55073,7 @@
         </p:sp>
         <p:sp>
           <p:nvSpPr>
-            <p:cNvPr id="680" name=""/>
+            <p:cNvPr id="686" name=""/>
             <p:cNvSpPr/>
             <p:nvPr/>
           </p:nvSpPr>
@@ -55521,7 +55407,7 @@
         </p:sp>
         <p:sp>
           <p:nvSpPr>
-            <p:cNvPr id="681" name=""/>
+            <p:cNvPr id="687" name=""/>
             <p:cNvSpPr/>
             <p:nvPr/>
           </p:nvSpPr>
@@ -55856,7 +55742,7 @@
       </p:grpSp>
       <p:sp>
         <p:nvSpPr>
-          <p:cNvPr id="682" name="PlaceHolder 1"/>
+          <p:cNvPr id="688" name="PlaceHolder 1"/>
           <p:cNvSpPr>
             <a:spLocks noGrp="1"/>
           </p:cNvSpPr>
@@ -55943,7 +55829,7 @@
       </p:grpSpPr>
       <p:sp>
         <p:nvSpPr>
-          <p:cNvPr id="683" name="PlaceHolder 1"/>
+          <p:cNvPr id="689" name="PlaceHolder 1"/>
           <p:cNvSpPr>
             <a:spLocks noGrp="1"/>
           </p:cNvSpPr>
@@ -55992,7 +55878,7 @@
       </p:sp>
       <p:pic>
         <p:nvPicPr>
-          <p:cNvPr id="684" name="" descr=""/>
+          <p:cNvPr id="690" name="" descr=""/>
           <p:cNvPicPr/>
           <p:nvPr/>
         </p:nvPicPr>
@@ -56015,7 +55901,7 @@
       </p:pic>
       <p:pic>
         <p:nvPicPr>
-          <p:cNvPr id="685" name="" descr=""/>
+          <p:cNvPr id="691" name="" descr=""/>
           <p:cNvPicPr/>
           <p:nvPr/>
         </p:nvPicPr>
@@ -56038,7 +55924,7 @@
       </p:pic>
       <p:pic>
         <p:nvPicPr>
-          <p:cNvPr id="686" name="" descr=""/>
+          <p:cNvPr id="692" name="" descr=""/>
           <p:cNvPicPr/>
           <p:nvPr/>
         </p:nvPicPr>
@@ -56061,7 +55947,7 @@
       </p:pic>
       <p:pic>
         <p:nvPicPr>
-          <p:cNvPr id="687" name="" descr=""/>
+          <p:cNvPr id="693" name="" descr=""/>
           <p:cNvPicPr/>
           <p:nvPr/>
         </p:nvPicPr>
